--- a/Week 5 - Functions and Graphing/PowerPoint Presentations/Week_5_Part_1_Functions_and_Graphing.pptx
+++ b/Week 5 - Functions and Graphing/PowerPoint Presentations/Week_5_Part_1_Functions_and_Graphing.pptx
@@ -215,7 +215,7 @@
           <a:p>
             <a:fld id="{C0DB4203-FCE6-4DB9-8B82-6DDA69D645A0}" type="datetimeFigureOut">
               <a:rPr lang="en-ZA" smtClean="0"/>
-              <a:t>2023/05/09</a:t>
+              <a:t>23 May 2023</a:t>
             </a:fld>
             <a:endParaRPr lang="en-ZA"/>
           </a:p>
@@ -6772,7 +6772,7 @@
               <a:buNone/>
             </a:pPr>
             <a:r>
-              <a:rPr lang="en-ZA" sz="1800" dirty="0">
+              <a:rPr lang="en-ZA" sz="1600" dirty="0">
                 <a:effectLst/>
                 <a:latin typeface="Helvetica" panose="020B0604020202020204" pitchFamily="34" charset="0"/>
                 <a:ea typeface="Times New Roman" panose="02020603050405020304" pitchFamily="18" charset="0"/>
@@ -6790,7 +6790,7 @@
               <a:buChar char=""/>
             </a:pPr>
             <a:r>
-              <a:rPr lang="en-ZA" sz="1800" dirty="0">
+              <a:rPr lang="en-ZA" sz="1600" dirty="0">
                 <a:effectLst/>
                 <a:latin typeface="Helvetica" panose="020B0604020202020204" pitchFamily="34" charset="0"/>
                 <a:ea typeface="Times New Roman" panose="02020603050405020304" pitchFamily="18" charset="0"/>
@@ -6808,7 +6808,7 @@
               <a:buChar char=""/>
             </a:pPr>
             <a:r>
-              <a:rPr lang="en-ZA" sz="1800" dirty="0">
+              <a:rPr lang="en-ZA" sz="1600" dirty="0">
                 <a:effectLst/>
                 <a:latin typeface="Helvetica" panose="020B0604020202020204" pitchFamily="34" charset="0"/>
                 <a:ea typeface="Times New Roman" panose="02020603050405020304" pitchFamily="18" charset="0"/>
@@ -6826,7 +6826,7 @@
               <a:buChar char=""/>
             </a:pPr>
             <a:r>
-              <a:rPr lang="en-ZA" sz="1800" dirty="0">
+              <a:rPr lang="en-ZA" sz="1600" dirty="0">
                 <a:effectLst/>
                 <a:latin typeface="Helvetica" panose="020B0604020202020204" pitchFamily="34" charset="0"/>
                 <a:ea typeface="Times New Roman" panose="02020603050405020304" pitchFamily="18" charset="0"/>
@@ -6844,7 +6844,7 @@
               <a:buChar char=""/>
             </a:pPr>
             <a:r>
-              <a:rPr lang="en-ZA" sz="1800" dirty="0">
+              <a:rPr lang="en-ZA" sz="1600" dirty="0">
                 <a:effectLst/>
                 <a:latin typeface="Helvetica" panose="020B0604020202020204" pitchFamily="34" charset="0"/>
                 <a:ea typeface="Times New Roman" panose="02020603050405020304" pitchFamily="18" charset="0"/>
@@ -6862,7 +6862,7 @@
               <a:buChar char=""/>
             </a:pPr>
             <a:r>
-              <a:rPr lang="en-ZA" sz="1800" dirty="0">
+              <a:rPr lang="en-ZA" sz="1600" dirty="0">
                 <a:effectLst/>
                 <a:latin typeface="Helvetica" panose="020B0604020202020204" pitchFamily="34" charset="0"/>
                 <a:ea typeface="Times New Roman" panose="02020603050405020304" pitchFamily="18" charset="0"/>
@@ -7165,6 +7165,190 @@
               </a:rPr>
               <a:t>Week_5_Part_1_Functions_and_Graphing.mlx</a:t>
             </a:r>
+            <a:endParaRPr lang="en-ZA" sz="1600" dirty="0">
+              <a:effectLst/>
+              <a:latin typeface="Helvetica" panose="020B0604020202020204" pitchFamily="34" charset="0"/>
+              <a:ea typeface="Times New Roman" panose="02020603050405020304" pitchFamily="18" charset="0"/>
+              <a:cs typeface="Times New Roman" panose="02020603050405020304" pitchFamily="18" charset="0"/>
+            </a:endParaRPr>
+          </a:p>
+          <a:p>
+            <a:pPr marL="0" indent="0">
+              <a:lnSpc>
+                <a:spcPct val="107000"/>
+              </a:lnSpc>
+              <a:spcBef>
+                <a:spcPts val="1050"/>
+              </a:spcBef>
+              <a:spcAft>
+                <a:spcPts val="1050"/>
+              </a:spcAft>
+              <a:buNone/>
+            </a:pPr>
+            <a:endParaRPr lang="en-GB" sz="1800" b="1" i="1" dirty="0">
+              <a:effectLst/>
+              <a:latin typeface="Helvetica" panose="020B0604020202020204" pitchFamily="34" charset="0"/>
+              <a:ea typeface="Times New Roman" panose="02020603050405020304" pitchFamily="18" charset="0"/>
+              <a:cs typeface="Times New Roman" panose="02020603050405020304" pitchFamily="18" charset="0"/>
+            </a:endParaRPr>
+          </a:p>
+          <a:p>
+            <a:pPr marL="0" indent="0">
+              <a:lnSpc>
+                <a:spcPct val="107000"/>
+              </a:lnSpc>
+              <a:spcBef>
+                <a:spcPts val="1050"/>
+              </a:spcBef>
+              <a:spcAft>
+                <a:spcPts val="1050"/>
+              </a:spcAft>
+              <a:buNone/>
+            </a:pPr>
+            <a:endParaRPr lang="en-GB" sz="1800" b="1" i="1" dirty="0">
+              <a:latin typeface="Helvetica" panose="020B0604020202020204" pitchFamily="34" charset="0"/>
+              <a:ea typeface="Times New Roman" panose="02020603050405020304" pitchFamily="18" charset="0"/>
+              <a:cs typeface="Times New Roman" panose="02020603050405020304" pitchFamily="18" charset="0"/>
+            </a:endParaRPr>
+          </a:p>
+          <a:p>
+            <a:pPr marL="0" indent="0">
+              <a:lnSpc>
+                <a:spcPct val="107000"/>
+              </a:lnSpc>
+              <a:spcBef>
+                <a:spcPts val="1050"/>
+              </a:spcBef>
+              <a:spcAft>
+                <a:spcPts val="1050"/>
+              </a:spcAft>
+              <a:buNone/>
+            </a:pPr>
+            <a:endParaRPr lang="en-GB" sz="1800" b="1" i="1" dirty="0">
+              <a:effectLst/>
+              <a:latin typeface="Helvetica" panose="020B0604020202020204" pitchFamily="34" charset="0"/>
+              <a:ea typeface="Times New Roman" panose="02020603050405020304" pitchFamily="18" charset="0"/>
+              <a:cs typeface="Times New Roman" panose="02020603050405020304" pitchFamily="18" charset="0"/>
+            </a:endParaRPr>
+          </a:p>
+          <a:p>
+            <a:pPr marL="0" indent="0">
+              <a:lnSpc>
+                <a:spcPct val="107000"/>
+              </a:lnSpc>
+              <a:spcBef>
+                <a:spcPts val="1050"/>
+              </a:spcBef>
+              <a:spcAft>
+                <a:spcPts val="1050"/>
+              </a:spcAft>
+              <a:buNone/>
+            </a:pPr>
+            <a:endParaRPr lang="en-GB" sz="1800" b="1" i="1" dirty="0">
+              <a:latin typeface="Helvetica" panose="020B0604020202020204" pitchFamily="34" charset="0"/>
+              <a:ea typeface="Times New Roman" panose="02020603050405020304" pitchFamily="18" charset="0"/>
+              <a:cs typeface="Times New Roman" panose="02020603050405020304" pitchFamily="18" charset="0"/>
+            </a:endParaRPr>
+          </a:p>
+          <a:p>
+            <a:pPr marL="0" indent="0">
+              <a:lnSpc>
+                <a:spcPct val="107000"/>
+              </a:lnSpc>
+              <a:spcBef>
+                <a:spcPts val="1050"/>
+              </a:spcBef>
+              <a:spcAft>
+                <a:spcPts val="1050"/>
+              </a:spcAft>
+              <a:buNone/>
+            </a:pPr>
+            <a:endParaRPr lang="en-GB" sz="1800" b="1" i="1" dirty="0">
+              <a:effectLst/>
+              <a:latin typeface="Helvetica" panose="020B0604020202020204" pitchFamily="34" charset="0"/>
+              <a:ea typeface="Times New Roman" panose="02020603050405020304" pitchFamily="18" charset="0"/>
+              <a:cs typeface="Times New Roman" panose="02020603050405020304" pitchFamily="18" charset="0"/>
+            </a:endParaRPr>
+          </a:p>
+          <a:p>
+            <a:pPr marL="0" indent="0">
+              <a:lnSpc>
+                <a:spcPct val="107000"/>
+              </a:lnSpc>
+              <a:spcBef>
+                <a:spcPts val="1050"/>
+              </a:spcBef>
+              <a:spcAft>
+                <a:spcPts val="1050"/>
+              </a:spcAft>
+              <a:buNone/>
+            </a:pPr>
+            <a:endParaRPr lang="en-GB" sz="1800" b="1" i="1" dirty="0">
+              <a:effectLst/>
+              <a:latin typeface="Helvetica" panose="020B0604020202020204" pitchFamily="34" charset="0"/>
+              <a:ea typeface="Times New Roman" panose="02020603050405020304" pitchFamily="18" charset="0"/>
+              <a:cs typeface="Times New Roman" panose="02020603050405020304" pitchFamily="18" charset="0"/>
+            </a:endParaRPr>
+          </a:p>
+          <a:p>
+            <a:pPr marL="0" indent="0">
+              <a:lnSpc>
+                <a:spcPct val="107000"/>
+              </a:lnSpc>
+              <a:spcBef>
+                <a:spcPts val="1050"/>
+              </a:spcBef>
+              <a:spcAft>
+                <a:spcPts val="1050"/>
+              </a:spcAft>
+              <a:buNone/>
+            </a:pPr>
+            <a:r>
+              <a:rPr lang="en-GB" sz="1600" b="1" i="1" dirty="0">
+                <a:effectLst/>
+                <a:latin typeface="Helvetica" panose="020B0604020202020204" pitchFamily="34" charset="0"/>
+                <a:ea typeface="Times New Roman" panose="02020603050405020304" pitchFamily="18" charset="0"/>
+                <a:cs typeface="Times New Roman" panose="02020603050405020304" pitchFamily="18" charset="0"/>
+              </a:rPr>
+              <a:t>Copyright 2022 The MathWorks, Inc. &amp; Opti-</a:t>
+            </a:r>
+            <a:r>
+              <a:rPr lang="en-GB" sz="1600" b="1" i="1" dirty="0" err="1">
+                <a:effectLst/>
+                <a:latin typeface="Helvetica" panose="020B0604020202020204" pitchFamily="34" charset="0"/>
+                <a:ea typeface="Times New Roman" panose="02020603050405020304" pitchFamily="18" charset="0"/>
+                <a:cs typeface="Times New Roman" panose="02020603050405020304" pitchFamily="18" charset="0"/>
+              </a:rPr>
+              <a:t>Num</a:t>
+            </a:r>
+            <a:r>
+              <a:rPr lang="en-GB" sz="1600" b="1" i="1" dirty="0">
+                <a:effectLst/>
+                <a:latin typeface="Helvetica" panose="020B0604020202020204" pitchFamily="34" charset="0"/>
+                <a:ea typeface="Times New Roman" panose="02020603050405020304" pitchFamily="18" charset="0"/>
+                <a:cs typeface="Times New Roman" panose="02020603050405020304" pitchFamily="18" charset="0"/>
+              </a:rPr>
+              <a:t> Solutions (Pty) Ltd. </a:t>
+            </a:r>
+            <a:endParaRPr lang="en-ZA" sz="1600" dirty="0">
+              <a:effectLst/>
+              <a:latin typeface="Helvetica" panose="020B0604020202020204" pitchFamily="34" charset="0"/>
+              <a:ea typeface="Times New Roman" panose="02020603050405020304" pitchFamily="18" charset="0"/>
+              <a:cs typeface="Times New Roman" panose="02020603050405020304" pitchFamily="18" charset="0"/>
+            </a:endParaRPr>
+          </a:p>
+          <a:p>
+            <a:pPr>
+              <a:lnSpc>
+                <a:spcPct val="107000"/>
+              </a:lnSpc>
+              <a:spcBef>
+                <a:spcPts val="1050"/>
+              </a:spcBef>
+              <a:spcAft>
+                <a:spcPts val="1050"/>
+              </a:spcAft>
+            </a:pPr>
             <a:endParaRPr kumimoji="0" lang="en-ZA" altLang="en-US" sz="1600" b="0" i="0" u="none" strike="noStrike" cap="none" normalizeH="0" baseline="0" dirty="0">
               <a:ln>
                 <a:noFill/>
@@ -7881,7 +8065,7 @@
               <a:buNone/>
             </a:pPr>
             <a:r>
-              <a:rPr lang="en-ZA" sz="1800" dirty="0">
+              <a:rPr lang="en-ZA" sz="1600" dirty="0">
                 <a:effectLst/>
                 <a:latin typeface="Helvetica" panose="020B0604020202020204" pitchFamily="34" charset="0"/>
                 <a:ea typeface="Times New Roman" panose="02020603050405020304" pitchFamily="18" charset="0"/>
@@ -7899,7 +8083,7 @@
               <a:buChar char=""/>
             </a:pPr>
             <a:r>
-              <a:rPr lang="en-ZA" sz="1800" dirty="0">
+              <a:rPr lang="en-ZA" sz="1600" dirty="0">
                 <a:effectLst/>
                 <a:latin typeface="Helvetica" panose="020B0604020202020204" pitchFamily="34" charset="0"/>
                 <a:ea typeface="Times New Roman" panose="02020603050405020304" pitchFamily="18" charset="0"/>
@@ -7917,7 +8101,7 @@
               <a:buChar char=""/>
             </a:pPr>
             <a:r>
-              <a:rPr lang="en-ZA" sz="1800" dirty="0">
+              <a:rPr lang="en-ZA" sz="1600" dirty="0">
                 <a:effectLst/>
                 <a:latin typeface="Helvetica" panose="020B0604020202020204" pitchFamily="34" charset="0"/>
                 <a:ea typeface="Times New Roman" panose="02020603050405020304" pitchFamily="18" charset="0"/>
@@ -7935,7 +8119,7 @@
               <a:buChar char=""/>
             </a:pPr>
             <a:r>
-              <a:rPr lang="en-ZA" sz="1800" dirty="0">
+              <a:rPr lang="en-ZA" sz="1600" dirty="0">
                 <a:effectLst/>
                 <a:latin typeface="Helvetica" panose="020B0604020202020204" pitchFamily="34" charset="0"/>
                 <a:ea typeface="Times New Roman" panose="02020603050405020304" pitchFamily="18" charset="0"/>
@@ -8499,29 +8683,7 @@
                 <a:ea typeface="Times New Roman" panose="02020603050405020304" pitchFamily="18" charset="0"/>
                 <a:cs typeface="Times New Roman" panose="02020603050405020304" pitchFamily="18" charset="0"/>
               </a:rPr>
-              <a:t>In Week 4: Input/Output </a:t>
-            </a:r>
-            <a:r>
-              <a:rPr lang="en-ZA" sz="1600" dirty="0">
-                <a:solidFill>
-                  <a:srgbClr val="005FCE"/>
-                </a:solidFill>
-                <a:effectLst/>
-                <a:latin typeface="Helvetica" panose="020B0604020202020204" pitchFamily="34" charset="0"/>
-                <a:ea typeface="Times New Roman" panose="02020603050405020304" pitchFamily="18" charset="0"/>
-                <a:cs typeface="Times New Roman" panose="02020603050405020304" pitchFamily="18" charset="0"/>
-                <a:hlinkClick r:id="rId2"/>
-              </a:rPr>
-              <a:t>[KS1]</a:t>
-            </a:r>
-            <a:r>
-              <a:rPr lang="en-ZA" sz="1600" dirty="0">
-                <a:effectLst/>
-                <a:latin typeface="Helvetica" panose="020B0604020202020204" pitchFamily="34" charset="0"/>
-                <a:ea typeface="Times New Roman" panose="02020603050405020304" pitchFamily="18" charset="0"/>
-                <a:cs typeface="Times New Roman" panose="02020603050405020304" pitchFamily="18" charset="0"/>
-              </a:rPr>
-              <a:t> you learnt how to import data into MATLAB. Once you’ve imported your data, you might want to visualize it. In MATLAB you can create a plot from variables in the base workspace as follows:</a:t>
+              <a:t>In Week 4: Input/Output you learnt how to import data into MATLAB. Once you’ve imported your data, you might want to visualize it. In MATLAB you can create a plot from variables in the base workspace as follows:</a:t>
             </a:r>
           </a:p>
           <a:p>
@@ -8616,44 +8778,21 @@
                 <a:ea typeface="Times New Roman" panose="02020603050405020304" pitchFamily="18" charset="0"/>
                 <a:cs typeface="Times New Roman" panose="02020603050405020304" pitchFamily="18" charset="0"/>
               </a:rPr>
-              <a:t>You can plot subsets of your data by first selecting a portion of a variable displayed in the Variable Editor.</a:t>
-            </a:r>
-          </a:p>
-          <a:p>
-            <a:pPr marL="0" indent="0" algn="just">
-              <a:buNone/>
-            </a:pPr>
+              <a:t>You can plot subsets of your data by first selecting a portion of a variable displayed in the Variable Editor</a:t>
+            </a:r>
             <a:r>
               <a:rPr lang="en-ZA" sz="1600" dirty="0">
-                <a:solidFill>
-                  <a:srgbClr val="005FCE"/>
-                </a:solidFill>
-                <a:effectLst/>
                 <a:latin typeface="Helvetica" panose="020B0604020202020204" pitchFamily="34" charset="0"/>
                 <a:ea typeface="Times New Roman" panose="02020603050405020304" pitchFamily="18" charset="0"/>
                 <a:cs typeface="Times New Roman" panose="02020603050405020304" pitchFamily="18" charset="0"/>
-                <a:hlinkClick r:id="rId3"/>
-              </a:rPr>
-              <a:t>[KS1]</a:t>
-            </a:r>
-            <a:r>
-              <a:rPr lang="en-ZA" sz="1600" dirty="0">
-                <a:effectLst/>
-                <a:latin typeface="Helvetica" panose="020B0604020202020204" pitchFamily="34" charset="0"/>
-                <a:ea typeface="Times New Roman" panose="02020603050405020304" pitchFamily="18" charset="0"/>
-                <a:cs typeface="Times New Roman" panose="02020603050405020304" pitchFamily="18" charset="0"/>
-              </a:rPr>
-              <a:t>Link to week 4 Live Script</a:t>
-            </a:r>
-            <a:endParaRPr kumimoji="0" lang="en-ZA" altLang="en-US" sz="1400" b="0" i="0" u="none" strike="noStrike" cap="none" normalizeH="0" baseline="0" dirty="0">
-              <a:ln>
-                <a:noFill/>
-              </a:ln>
-              <a:solidFill>
-                <a:schemeClr val="tx1"/>
-              </a:solidFill>
+              </a:rPr>
+              <a:t>.</a:t>
+            </a:r>
+            <a:endParaRPr lang="en-ZA" sz="1600" dirty="0">
               <a:effectLst/>
-              <a:latin typeface="Arial" panose="020B0604020202020204" pitchFamily="34" charset="0"/>
+              <a:latin typeface="Helvetica" panose="020B0604020202020204" pitchFamily="34" charset="0"/>
+              <a:ea typeface="Times New Roman" panose="02020603050405020304" pitchFamily="18" charset="0"/>
+              <a:cs typeface="Times New Roman" panose="02020603050405020304" pitchFamily="18" charset="0"/>
             </a:endParaRPr>
           </a:p>
         </p:txBody>
@@ -8751,7 +8890,7 @@
       <p:pic>
         <p:nvPicPr>
           <p:cNvPr id="7" name="Graphic 6" descr="Chevron arrows with solid fill">
-            <a:hlinkClick r:id="rId4" action="ppaction://hlinksldjump"/>
+            <a:hlinkClick r:id="rId2" action="ppaction://hlinksldjump"/>
             <a:extLst>
               <a:ext uri="{FF2B5EF4-FFF2-40B4-BE49-F238E27FC236}">
                 <a16:creationId xmlns:a16="http://schemas.microsoft.com/office/drawing/2014/main" id="{E0753998-3C00-2842-E3CC-AAD22A12A578}"/>
@@ -8764,13 +8903,13 @@
           <p:nvPr/>
         </p:nvPicPr>
         <p:blipFill>
-          <a:blip r:embed="rId5">
+          <a:blip r:embed="rId3">
             <a:extLst>
               <a:ext uri="{28A0092B-C50C-407E-A947-70E740481C1C}">
                 <a14:useLocalDpi xmlns:a14="http://schemas.microsoft.com/office/drawing/2010/main" val="0"/>
               </a:ext>
               <a:ext uri="{96DAC541-7B7A-43D3-8B79-37D633B846F1}">
-                <asvg:svgBlip xmlns:asvg="http://schemas.microsoft.com/office/drawing/2016/SVG/main" r:embed="rId6"/>
+                <asvg:svgBlip xmlns:asvg="http://schemas.microsoft.com/office/drawing/2016/SVG/main" r:embed="rId4"/>
               </a:ext>
             </a:extLst>
           </a:blip>
